--- a/lsg/0209 정리 ing.pptx
+++ b/lsg/0209 정리 ing.pptx
@@ -4034,7 +4034,7 @@
           <a:p>
             <a:r>
               <a:rPr lang="ko-KR" altLang="en-US" dirty="0"/>
-              <a:t>교통 관련 사고는 전체의 약 </a:t>
+              <a:t>전체 사건양의 약 </a:t>
             </a:r>
             <a:r>
               <a:rPr lang="en-US" altLang="ko-KR" dirty="0"/>
@@ -4042,7 +4042,7 @@
             </a:r>
             <a:r>
               <a:rPr lang="ko-KR" altLang="en-US" dirty="0"/>
-              <a:t>의 비율이다</a:t>
+              <a:t>이다</a:t>
             </a:r>
             <a:r>
               <a:rPr lang="en-US" altLang="ko-KR" dirty="0"/>
@@ -4131,6 +4131,45 @@
           </a:prstGeom>
         </p:spPr>
       </p:pic>
+      <p:sp>
+        <p:nvSpPr>
+          <p:cNvPr id="2" name="TextBox 1">
+            <a:extLst>
+              <a:ext uri="{FF2B5EF4-FFF2-40B4-BE49-F238E27FC236}">
+                <a16:creationId xmlns:a16="http://schemas.microsoft.com/office/drawing/2014/main" id="{23BF8E50-5024-A79F-6C66-43EDA45362CE}"/>
+              </a:ext>
+            </a:extLst>
+          </p:cNvPr>
+          <p:cNvSpPr txBox="1"/>
+          <p:nvPr/>
+        </p:nvSpPr>
+        <p:spPr>
+          <a:xfrm>
+            <a:off x="6414412" y="2253641"/>
+            <a:ext cx="3586238" cy="646331"/>
+          </a:xfrm>
+          <a:prstGeom prst="rect">
+            <a:avLst/>
+          </a:prstGeom>
+          <a:noFill/>
+        </p:spPr>
+        <p:txBody>
+          <a:bodyPr wrap="none" rtlCol="0">
+            <a:spAutoFit/>
+          </a:bodyPr>
+          <a:lstStyle/>
+          <a:p>
+            <a:r>
+              <a:rPr lang="ko-KR" altLang="en-US" sz="3600" b="1" dirty="0"/>
+              <a:t>교통 관련 사고</a:t>
+            </a:r>
+            <a:r>
+              <a:rPr lang="ko-KR" altLang="en-US" sz="2400" dirty="0"/>
+              <a:t>는</a:t>
+            </a:r>
+          </a:p>
+        </p:txBody>
+      </p:sp>
     </p:spTree>
     <p:extLst>
       <p:ext uri="{BB962C8B-B14F-4D97-AF65-F5344CB8AC3E}">

--- a/lsg/0209 정리 ing.pptx
+++ b/lsg/0209 정리 ing.pptx
@@ -5262,6 +5262,58 @@
           </a:p>
         </p:txBody>
       </p:sp>
+      <p:sp>
+        <p:nvSpPr>
+          <p:cNvPr id="2" name="직사각형 1">
+            <a:extLst>
+              <a:ext uri="{FF2B5EF4-FFF2-40B4-BE49-F238E27FC236}">
+                <a16:creationId xmlns:a16="http://schemas.microsoft.com/office/drawing/2014/main" id="{9379756B-8224-DA1B-D920-F83AF108CD70}"/>
+              </a:ext>
+            </a:extLst>
+          </p:cNvPr>
+          <p:cNvSpPr/>
+          <p:nvPr/>
+        </p:nvSpPr>
+        <p:spPr>
+          <a:xfrm>
+            <a:off x="3237721" y="2967136"/>
+            <a:ext cx="6223519" cy="1315616"/>
+          </a:xfrm>
+          <a:prstGeom prst="rect">
+            <a:avLst/>
+          </a:prstGeom>
+          <a:noFill/>
+          <a:ln w="57150">
+            <a:solidFill>
+              <a:srgbClr val="C00000"/>
+            </a:solidFill>
+          </a:ln>
+        </p:spPr>
+        <p:style>
+          <a:lnRef idx="2">
+            <a:schemeClr val="accent1">
+              <a:shade val="50000"/>
+            </a:schemeClr>
+          </a:lnRef>
+          <a:fillRef idx="1">
+            <a:schemeClr val="accent1"/>
+          </a:fillRef>
+          <a:effectRef idx="0">
+            <a:schemeClr val="accent1"/>
+          </a:effectRef>
+          <a:fontRef idx="minor">
+            <a:schemeClr val="lt1"/>
+          </a:fontRef>
+        </p:style>
+        <p:txBody>
+          <a:bodyPr rtlCol="0" anchor="ctr"/>
+          <a:lstStyle/>
+          <a:p>
+            <a:pPr algn="ctr"/>
+            <a:endParaRPr lang="ko-KR" altLang="en-US"/>
+          </a:p>
+        </p:txBody>
+      </p:sp>
     </p:spTree>
     <p:extLst>
       <p:ext uri="{BB962C8B-B14F-4D97-AF65-F5344CB8AC3E}">
@@ -5757,6 +5809,93 @@
           </a:p>
         </p:txBody>
       </p:sp>
+      <p:sp>
+        <p:nvSpPr>
+          <p:cNvPr id="2" name="TextBox 1">
+            <a:extLst>
+              <a:ext uri="{FF2B5EF4-FFF2-40B4-BE49-F238E27FC236}">
+                <a16:creationId xmlns:a16="http://schemas.microsoft.com/office/drawing/2014/main" id="{FA74A96F-B4BF-AEBD-4901-699216024B0B}"/>
+              </a:ext>
+            </a:extLst>
+          </p:cNvPr>
+          <p:cNvSpPr txBox="1"/>
+          <p:nvPr/>
+        </p:nvSpPr>
+        <p:spPr>
+          <a:xfrm>
+            <a:off x="8121613" y="128333"/>
+            <a:ext cx="2969083" cy="646331"/>
+          </a:xfrm>
+          <a:prstGeom prst="rect">
+            <a:avLst/>
+          </a:prstGeom>
+          <a:noFill/>
+        </p:spPr>
+        <p:txBody>
+          <a:bodyPr wrap="none" rtlCol="0">
+            <a:spAutoFit/>
+          </a:bodyPr>
+          <a:lstStyle/>
+          <a:p>
+            <a:r>
+              <a:rPr lang="ko-KR" altLang="en-US" dirty="0">
+                <a:solidFill>
+                  <a:schemeClr val="accent5">
+                    <a:lumMod val="75000"/>
+                  </a:schemeClr>
+                </a:solidFill>
+              </a:rPr>
+              <a:t>모두 인구수와 관련이 있음</a:t>
+            </a:r>
+            <a:endParaRPr lang="en-US" altLang="ko-KR" dirty="0">
+              <a:solidFill>
+                <a:schemeClr val="accent5">
+                  <a:lumMod val="75000"/>
+                </a:schemeClr>
+              </a:solidFill>
+            </a:endParaRPr>
+          </a:p>
+          <a:p>
+            <a:r>
+              <a:rPr lang="en-US" altLang="ko-KR" dirty="0">
+                <a:solidFill>
+                  <a:schemeClr val="accent5">
+                    <a:lumMod val="75000"/>
+                  </a:schemeClr>
+                </a:solidFill>
+              </a:rPr>
+              <a:t>(</a:t>
+            </a:r>
+            <a:r>
+              <a:rPr lang="ko-KR" altLang="en-US" dirty="0">
+                <a:solidFill>
+                  <a:schemeClr val="accent5">
+                    <a:lumMod val="75000"/>
+                  </a:schemeClr>
+                </a:solidFill>
+              </a:rPr>
+              <a:t>아무래도</a:t>
+            </a:r>
+            <a:r>
+              <a:rPr lang="en-US" altLang="ko-KR" dirty="0">
+                <a:solidFill>
+                  <a:schemeClr val="accent5">
+                    <a:lumMod val="75000"/>
+                  </a:schemeClr>
+                </a:solidFill>
+              </a:rPr>
+              <a:t>)</a:t>
+            </a:r>
+            <a:endParaRPr lang="ko-KR" altLang="en-US" dirty="0">
+              <a:solidFill>
+                <a:schemeClr val="accent5">
+                  <a:lumMod val="75000"/>
+                </a:schemeClr>
+              </a:solidFill>
+            </a:endParaRPr>
+          </a:p>
+        </p:txBody>
+      </p:sp>
     </p:spTree>
     <p:extLst>
       <p:ext uri="{BB962C8B-B14F-4D97-AF65-F5344CB8AC3E}">
@@ -5801,7 +5940,7 @@
         </p:nvGrpSpPr>
         <p:grpSpPr>
           <a:xfrm>
-            <a:off x="0" y="558086"/>
+            <a:off x="0" y="538188"/>
             <a:ext cx="9502055" cy="6263155"/>
             <a:chOff x="0" y="371475"/>
             <a:chExt cx="9502055" cy="6263155"/>
@@ -6107,7 +6246,7 @@
           <a:lstStyle/>
           <a:p>
             <a:r>
-              <a:rPr lang="ko-KR" altLang="en-US" i="1">
+              <a:rPr lang="ko-KR" altLang="en-US" i="1" dirty="0">
                 <a:solidFill>
                   <a:srgbClr val="00B050"/>
                 </a:solidFill>
@@ -6115,7 +6254,7 @@
               <a:t>시간과 교통사고</a:t>
             </a:r>
             <a:r>
-              <a:rPr lang="en-US" altLang="ko-KR" i="1">
+              <a:rPr lang="en-US" altLang="ko-KR" i="1" dirty="0">
                 <a:solidFill>
                   <a:srgbClr val="00B050"/>
                 </a:solidFill>
@@ -6146,6 +6285,186 @@
           </a:p>
         </p:txBody>
       </p:sp>
+      <p:cxnSp>
+        <p:nvCxnSpPr>
+          <p:cNvPr id="3" name="직선 화살표 연결선 2">
+            <a:extLst>
+              <a:ext uri="{FF2B5EF4-FFF2-40B4-BE49-F238E27FC236}">
+                <a16:creationId xmlns:a16="http://schemas.microsoft.com/office/drawing/2014/main" id="{999AB06F-B9DA-A450-C13B-E21FD3B1CD05}"/>
+              </a:ext>
+            </a:extLst>
+          </p:cNvPr>
+          <p:cNvCxnSpPr>
+            <a:cxnSpLocks/>
+          </p:cNvCxnSpPr>
+          <p:nvPr/>
+        </p:nvCxnSpPr>
+        <p:spPr>
+          <a:xfrm flipV="1">
+            <a:off x="2843518" y="597480"/>
+            <a:ext cx="3252482" cy="774120"/>
+          </a:xfrm>
+          <a:prstGeom prst="straightConnector1">
+            <a:avLst/>
+          </a:prstGeom>
+          <a:ln w="76200">
+            <a:solidFill>
+              <a:schemeClr val="accent5">
+                <a:lumMod val="75000"/>
+              </a:schemeClr>
+            </a:solidFill>
+            <a:tailEnd type="triangle"/>
+          </a:ln>
+        </p:spPr>
+        <p:style>
+          <a:lnRef idx="1">
+            <a:schemeClr val="accent1"/>
+          </a:lnRef>
+          <a:fillRef idx="0">
+            <a:schemeClr val="accent1"/>
+          </a:fillRef>
+          <a:effectRef idx="0">
+            <a:schemeClr val="accent1"/>
+          </a:effectRef>
+          <a:fontRef idx="minor">
+            <a:schemeClr val="tx1"/>
+          </a:fontRef>
+        </p:style>
+      </p:cxnSp>
+      <p:cxnSp>
+        <p:nvCxnSpPr>
+          <p:cNvPr id="8" name="직선 화살표 연결선 7">
+            <a:extLst>
+              <a:ext uri="{FF2B5EF4-FFF2-40B4-BE49-F238E27FC236}">
+                <a16:creationId xmlns:a16="http://schemas.microsoft.com/office/drawing/2014/main" id="{8ED1DFE4-FAF7-C3E4-6F59-1C5EE9ABFFCC}"/>
+              </a:ext>
+            </a:extLst>
+          </p:cNvPr>
+          <p:cNvCxnSpPr>
+            <a:cxnSpLocks/>
+          </p:cNvCxnSpPr>
+          <p:nvPr/>
+        </p:nvCxnSpPr>
+        <p:spPr>
+          <a:xfrm flipV="1">
+            <a:off x="6978724" y="3778898"/>
+            <a:ext cx="1820043" cy="406947"/>
+          </a:xfrm>
+          <a:prstGeom prst="straightConnector1">
+            <a:avLst/>
+          </a:prstGeom>
+          <a:ln w="76200">
+            <a:solidFill>
+              <a:srgbClr val="C00000"/>
+            </a:solidFill>
+            <a:tailEnd type="triangle"/>
+          </a:ln>
+        </p:spPr>
+        <p:style>
+          <a:lnRef idx="1">
+            <a:schemeClr val="accent1"/>
+          </a:lnRef>
+          <a:fillRef idx="0">
+            <a:schemeClr val="accent1"/>
+          </a:fillRef>
+          <a:effectRef idx="0">
+            <a:schemeClr val="accent1"/>
+          </a:effectRef>
+          <a:fontRef idx="minor">
+            <a:schemeClr val="tx1"/>
+          </a:fontRef>
+        </p:style>
+      </p:cxnSp>
+      <p:cxnSp>
+        <p:nvCxnSpPr>
+          <p:cNvPr id="18" name="직선 화살표 연결선 17">
+            <a:extLst>
+              <a:ext uri="{FF2B5EF4-FFF2-40B4-BE49-F238E27FC236}">
+                <a16:creationId xmlns:a16="http://schemas.microsoft.com/office/drawing/2014/main" id="{E5ACA3E5-5749-EEB8-649F-A4EFD06A2B23}"/>
+              </a:ext>
+            </a:extLst>
+          </p:cNvPr>
+          <p:cNvCxnSpPr>
+            <a:cxnSpLocks/>
+          </p:cNvCxnSpPr>
+          <p:nvPr/>
+        </p:nvCxnSpPr>
+        <p:spPr>
+          <a:xfrm flipV="1">
+            <a:off x="6291165" y="4848716"/>
+            <a:ext cx="2102894" cy="1383261"/>
+          </a:xfrm>
+          <a:prstGeom prst="straightConnector1">
+            <a:avLst/>
+          </a:prstGeom>
+          <a:ln w="76200">
+            <a:solidFill>
+              <a:srgbClr val="C00000"/>
+            </a:solidFill>
+            <a:tailEnd type="triangle"/>
+          </a:ln>
+        </p:spPr>
+        <p:style>
+          <a:lnRef idx="1">
+            <a:schemeClr val="accent1"/>
+          </a:lnRef>
+          <a:fillRef idx="0">
+            <a:schemeClr val="accent1"/>
+          </a:fillRef>
+          <a:effectRef idx="0">
+            <a:schemeClr val="accent1"/>
+          </a:effectRef>
+          <a:fontRef idx="minor">
+            <a:schemeClr val="tx1"/>
+          </a:fontRef>
+        </p:style>
+      </p:cxnSp>
+      <p:cxnSp>
+        <p:nvCxnSpPr>
+          <p:cNvPr id="21" name="직선 화살표 연결선 20">
+            <a:extLst>
+              <a:ext uri="{FF2B5EF4-FFF2-40B4-BE49-F238E27FC236}">
+                <a16:creationId xmlns:a16="http://schemas.microsoft.com/office/drawing/2014/main" id="{54F333FC-9609-F3F0-97FB-8E0DAE3B3978}"/>
+              </a:ext>
+            </a:extLst>
+          </p:cNvPr>
+          <p:cNvCxnSpPr>
+            <a:cxnSpLocks/>
+          </p:cNvCxnSpPr>
+          <p:nvPr/>
+        </p:nvCxnSpPr>
+        <p:spPr>
+          <a:xfrm flipV="1">
+            <a:off x="3114106" y="2789853"/>
+            <a:ext cx="3585274" cy="626748"/>
+          </a:xfrm>
+          <a:prstGeom prst="straightConnector1">
+            <a:avLst/>
+          </a:prstGeom>
+          <a:ln w="76200">
+            <a:solidFill>
+              <a:schemeClr val="accent5">
+                <a:lumMod val="75000"/>
+              </a:schemeClr>
+            </a:solidFill>
+            <a:tailEnd type="triangle"/>
+          </a:ln>
+        </p:spPr>
+        <p:style>
+          <a:lnRef idx="1">
+            <a:schemeClr val="accent1"/>
+          </a:lnRef>
+          <a:fillRef idx="0">
+            <a:schemeClr val="accent1"/>
+          </a:fillRef>
+          <a:effectRef idx="0">
+            <a:schemeClr val="accent1"/>
+          </a:effectRef>
+          <a:fontRef idx="minor">
+            <a:schemeClr val="tx1"/>
+          </a:fontRef>
+        </p:style>
+      </p:cxnSp>
     </p:spTree>
     <p:extLst>
       <p:ext uri="{BB962C8B-B14F-4D97-AF65-F5344CB8AC3E}">
